--- a/ppt 16-9/0377.筵席的故事—顾此.pptx
+++ b/ppt 16-9/0377.筵席的故事—顾此.pptx
@@ -129,7 +129,7 @@
           <p:cNvPr id="2" name="标题 1">
             <a:extLst>
               <a:ext uri="{FF2B5EF4-FFF2-40B4-BE49-F238E27FC236}">
-                <a16:creationId xmlns:a16="http://schemas.microsoft.com/office/drawing/2014/main" id="{D39ED4C4-0AEB-68AF-EC8E-743270018193}"/>
+                <a16:creationId xmlns:a16="http://schemas.microsoft.com/office/drawing/2014/main" id="{66D6C404-2EFD-432A-B70D-75F09753B74B}"/>
               </a:ext>
             </a:extLst>
           </p:cNvPr>
@@ -166,7 +166,7 @@
           <p:cNvPr id="3" name="副标题 2">
             <a:extLst>
               <a:ext uri="{FF2B5EF4-FFF2-40B4-BE49-F238E27FC236}">
-                <a16:creationId xmlns:a16="http://schemas.microsoft.com/office/drawing/2014/main" id="{64B66954-E294-D313-3359-D524CEA64DB6}"/>
+                <a16:creationId xmlns:a16="http://schemas.microsoft.com/office/drawing/2014/main" id="{9087AB87-21D9-4C27-4344-B1F9FBE5C641}"/>
               </a:ext>
             </a:extLst>
           </p:cNvPr>
@@ -236,7 +236,7 @@
           <p:cNvPr id="4" name="日期占位符 3">
             <a:extLst>
               <a:ext uri="{FF2B5EF4-FFF2-40B4-BE49-F238E27FC236}">
-                <a16:creationId xmlns:a16="http://schemas.microsoft.com/office/drawing/2014/main" id="{780CE82C-1F47-2C02-4817-94EBF6140443}"/>
+                <a16:creationId xmlns:a16="http://schemas.microsoft.com/office/drawing/2014/main" id="{C1A07C19-29F1-91DB-33A6-0614D3D52D9A}"/>
               </a:ext>
             </a:extLst>
           </p:cNvPr>
@@ -252,7 +252,7 @@
           <a:bodyPr/>
           <a:lstStyle/>
           <a:p>
-            <a:fld id="{F7D7F103-DD1C-406E-9D42-DA06D36EDE0F}" type="datetimeFigureOut">
+            <a:fld id="{61E6A90C-F1E3-4F69-A95C-D0DD0F73748F}" type="datetimeFigureOut">
               <a:rPr lang="zh-CN" altLang="en-US" smtClean="0"/>
               <a:t>2024/3/10</a:t>
             </a:fld>
@@ -265,7 +265,7 @@
           <p:cNvPr id="5" name="页脚占位符 4">
             <a:extLst>
               <a:ext uri="{FF2B5EF4-FFF2-40B4-BE49-F238E27FC236}">
-                <a16:creationId xmlns:a16="http://schemas.microsoft.com/office/drawing/2014/main" id="{6CDE852B-4650-96F4-97E7-A001D4928D27}"/>
+                <a16:creationId xmlns:a16="http://schemas.microsoft.com/office/drawing/2014/main" id="{9F4A64EB-A89D-6F40-ED3E-5AD2B8C2472F}"/>
               </a:ext>
             </a:extLst>
           </p:cNvPr>
@@ -290,7 +290,7 @@
           <p:cNvPr id="6" name="灯片编号占位符 5">
             <a:extLst>
               <a:ext uri="{FF2B5EF4-FFF2-40B4-BE49-F238E27FC236}">
-                <a16:creationId xmlns:a16="http://schemas.microsoft.com/office/drawing/2014/main" id="{116331E8-A432-2D49-5BCB-A0F595C042D6}"/>
+                <a16:creationId xmlns:a16="http://schemas.microsoft.com/office/drawing/2014/main" id="{4B645855-891E-8127-B55F-A7EBBD513520}"/>
               </a:ext>
             </a:extLst>
           </p:cNvPr>
@@ -306,7 +306,7 @@
           <a:bodyPr/>
           <a:lstStyle/>
           <a:p>
-            <a:fld id="{55B2AD2A-A962-45E9-80FE-EED6B4314960}" type="slidenum">
+            <a:fld id="{99A57CC9-ABC4-475F-8681-358CD529E301}" type="slidenum">
               <a:rPr lang="zh-CN" altLang="en-US" smtClean="0"/>
               <a:t>‹#›</a:t>
             </a:fld>
@@ -317,7 +317,7 @@
     </p:spTree>
     <p:extLst>
       <p:ext uri="{BB962C8B-B14F-4D97-AF65-F5344CB8AC3E}">
-        <p14:creationId xmlns:p14="http://schemas.microsoft.com/office/powerpoint/2010/main" val="4108852997"/>
+        <p14:creationId xmlns:p14="http://schemas.microsoft.com/office/powerpoint/2010/main" val="3585788753"/>
       </p:ext>
     </p:extLst>
   </p:cSld>
@@ -349,7 +349,7 @@
           <p:cNvPr id="2" name="标题 1">
             <a:extLst>
               <a:ext uri="{FF2B5EF4-FFF2-40B4-BE49-F238E27FC236}">
-                <a16:creationId xmlns:a16="http://schemas.microsoft.com/office/drawing/2014/main" id="{F42FB623-062D-0009-F52F-FFF8AC386074}"/>
+                <a16:creationId xmlns:a16="http://schemas.microsoft.com/office/drawing/2014/main" id="{64C8449E-FA87-0330-183B-078B92AC4CEF}"/>
               </a:ext>
             </a:extLst>
           </p:cNvPr>
@@ -377,7 +377,7 @@
           <p:cNvPr id="3" name="竖排文字占位符 2">
             <a:extLst>
               <a:ext uri="{FF2B5EF4-FFF2-40B4-BE49-F238E27FC236}">
-                <a16:creationId xmlns:a16="http://schemas.microsoft.com/office/drawing/2014/main" id="{74024C29-635A-61EF-869D-3F87A16C18AF}"/>
+                <a16:creationId xmlns:a16="http://schemas.microsoft.com/office/drawing/2014/main" id="{337A48C6-06AC-5E83-1801-A553C53D67B2}"/>
               </a:ext>
             </a:extLst>
           </p:cNvPr>
@@ -434,7 +434,7 @@
           <p:cNvPr id="4" name="日期占位符 3">
             <a:extLst>
               <a:ext uri="{FF2B5EF4-FFF2-40B4-BE49-F238E27FC236}">
-                <a16:creationId xmlns:a16="http://schemas.microsoft.com/office/drawing/2014/main" id="{59A02223-C4BF-C9CD-78F5-A2EDF7380E12}"/>
+                <a16:creationId xmlns:a16="http://schemas.microsoft.com/office/drawing/2014/main" id="{0D1BFE56-1D80-A184-4A19-CB1653C5E329}"/>
               </a:ext>
             </a:extLst>
           </p:cNvPr>
@@ -450,7 +450,7 @@
           <a:bodyPr/>
           <a:lstStyle/>
           <a:p>
-            <a:fld id="{F7D7F103-DD1C-406E-9D42-DA06D36EDE0F}" type="datetimeFigureOut">
+            <a:fld id="{61E6A90C-F1E3-4F69-A95C-D0DD0F73748F}" type="datetimeFigureOut">
               <a:rPr lang="zh-CN" altLang="en-US" smtClean="0"/>
               <a:t>2024/3/10</a:t>
             </a:fld>
@@ -463,7 +463,7 @@
           <p:cNvPr id="5" name="页脚占位符 4">
             <a:extLst>
               <a:ext uri="{FF2B5EF4-FFF2-40B4-BE49-F238E27FC236}">
-                <a16:creationId xmlns:a16="http://schemas.microsoft.com/office/drawing/2014/main" id="{C0454698-DFBD-DCF2-82D9-1E864CE0FD2E}"/>
+                <a16:creationId xmlns:a16="http://schemas.microsoft.com/office/drawing/2014/main" id="{1040803B-79C3-CFD3-391A-FD393F7DA953}"/>
               </a:ext>
             </a:extLst>
           </p:cNvPr>
@@ -488,7 +488,7 @@
           <p:cNvPr id="6" name="灯片编号占位符 5">
             <a:extLst>
               <a:ext uri="{FF2B5EF4-FFF2-40B4-BE49-F238E27FC236}">
-                <a16:creationId xmlns:a16="http://schemas.microsoft.com/office/drawing/2014/main" id="{43E3D29A-6A7D-1C54-EBF4-3B2E4A811BB5}"/>
+                <a16:creationId xmlns:a16="http://schemas.microsoft.com/office/drawing/2014/main" id="{D3FB4FCB-0781-2A0F-3ABC-E9B9217A1DB1}"/>
               </a:ext>
             </a:extLst>
           </p:cNvPr>
@@ -504,7 +504,7 @@
           <a:bodyPr/>
           <a:lstStyle/>
           <a:p>
-            <a:fld id="{55B2AD2A-A962-45E9-80FE-EED6B4314960}" type="slidenum">
+            <a:fld id="{99A57CC9-ABC4-475F-8681-358CD529E301}" type="slidenum">
               <a:rPr lang="zh-CN" altLang="en-US" smtClean="0"/>
               <a:t>‹#›</a:t>
             </a:fld>
@@ -515,7 +515,7 @@
     </p:spTree>
     <p:extLst>
       <p:ext uri="{BB962C8B-B14F-4D97-AF65-F5344CB8AC3E}">
-        <p14:creationId xmlns:p14="http://schemas.microsoft.com/office/powerpoint/2010/main" val="3168888300"/>
+        <p14:creationId xmlns:p14="http://schemas.microsoft.com/office/powerpoint/2010/main" val="605561875"/>
       </p:ext>
     </p:extLst>
   </p:cSld>
@@ -547,7 +547,7 @@
           <p:cNvPr id="2" name="竖排标题 1">
             <a:extLst>
               <a:ext uri="{FF2B5EF4-FFF2-40B4-BE49-F238E27FC236}">
-                <a16:creationId xmlns:a16="http://schemas.microsoft.com/office/drawing/2014/main" id="{6CACD6B4-23C0-7546-B799-9AB1E7CB9017}"/>
+                <a16:creationId xmlns:a16="http://schemas.microsoft.com/office/drawing/2014/main" id="{43B730E3-ACF6-0A88-540F-D43D141C542C}"/>
               </a:ext>
             </a:extLst>
           </p:cNvPr>
@@ -580,7 +580,7 @@
           <p:cNvPr id="3" name="竖排文字占位符 2">
             <a:extLst>
               <a:ext uri="{FF2B5EF4-FFF2-40B4-BE49-F238E27FC236}">
-                <a16:creationId xmlns:a16="http://schemas.microsoft.com/office/drawing/2014/main" id="{D2EF11C2-8BB1-E2B4-A57D-B1EE8C1E0050}"/>
+                <a16:creationId xmlns:a16="http://schemas.microsoft.com/office/drawing/2014/main" id="{BC78651E-1D78-F4F6-29B8-B944A4224BBC}"/>
               </a:ext>
             </a:extLst>
           </p:cNvPr>
@@ -642,7 +642,7 @@
           <p:cNvPr id="4" name="日期占位符 3">
             <a:extLst>
               <a:ext uri="{FF2B5EF4-FFF2-40B4-BE49-F238E27FC236}">
-                <a16:creationId xmlns:a16="http://schemas.microsoft.com/office/drawing/2014/main" id="{5951D72D-1FA0-A0E6-5045-0E5561699AED}"/>
+                <a16:creationId xmlns:a16="http://schemas.microsoft.com/office/drawing/2014/main" id="{7D2D81CF-C74C-4924-9B55-93226B02C5CC}"/>
               </a:ext>
             </a:extLst>
           </p:cNvPr>
@@ -658,7 +658,7 @@
           <a:bodyPr/>
           <a:lstStyle/>
           <a:p>
-            <a:fld id="{F7D7F103-DD1C-406E-9D42-DA06D36EDE0F}" type="datetimeFigureOut">
+            <a:fld id="{61E6A90C-F1E3-4F69-A95C-D0DD0F73748F}" type="datetimeFigureOut">
               <a:rPr lang="zh-CN" altLang="en-US" smtClean="0"/>
               <a:t>2024/3/10</a:t>
             </a:fld>
@@ -671,7 +671,7 @@
           <p:cNvPr id="5" name="页脚占位符 4">
             <a:extLst>
               <a:ext uri="{FF2B5EF4-FFF2-40B4-BE49-F238E27FC236}">
-                <a16:creationId xmlns:a16="http://schemas.microsoft.com/office/drawing/2014/main" id="{7AA63A24-1290-5C5C-E46B-A576634C2795}"/>
+                <a16:creationId xmlns:a16="http://schemas.microsoft.com/office/drawing/2014/main" id="{5C62020A-A576-520D-8C21-5DFCA25B468C}"/>
               </a:ext>
             </a:extLst>
           </p:cNvPr>
@@ -696,7 +696,7 @@
           <p:cNvPr id="6" name="灯片编号占位符 5">
             <a:extLst>
               <a:ext uri="{FF2B5EF4-FFF2-40B4-BE49-F238E27FC236}">
-                <a16:creationId xmlns:a16="http://schemas.microsoft.com/office/drawing/2014/main" id="{650403AF-609A-EBFB-C992-89820C02B99C}"/>
+                <a16:creationId xmlns:a16="http://schemas.microsoft.com/office/drawing/2014/main" id="{4FC486AA-C50E-6ADA-9DC3-092A6D3F6064}"/>
               </a:ext>
             </a:extLst>
           </p:cNvPr>
@@ -712,7 +712,7 @@
           <a:bodyPr/>
           <a:lstStyle/>
           <a:p>
-            <a:fld id="{55B2AD2A-A962-45E9-80FE-EED6B4314960}" type="slidenum">
+            <a:fld id="{99A57CC9-ABC4-475F-8681-358CD529E301}" type="slidenum">
               <a:rPr lang="zh-CN" altLang="en-US" smtClean="0"/>
               <a:t>‹#›</a:t>
             </a:fld>
@@ -723,7 +723,7 @@
     </p:spTree>
     <p:extLst>
       <p:ext uri="{BB962C8B-B14F-4D97-AF65-F5344CB8AC3E}">
-        <p14:creationId xmlns:p14="http://schemas.microsoft.com/office/powerpoint/2010/main" val="4103300851"/>
+        <p14:creationId xmlns:p14="http://schemas.microsoft.com/office/powerpoint/2010/main" val="2888969327"/>
       </p:ext>
     </p:extLst>
   </p:cSld>
@@ -755,7 +755,7 @@
           <p:cNvPr id="2" name="标题 1">
             <a:extLst>
               <a:ext uri="{FF2B5EF4-FFF2-40B4-BE49-F238E27FC236}">
-                <a16:creationId xmlns:a16="http://schemas.microsoft.com/office/drawing/2014/main" id="{9B87FB20-4E1B-CE3C-59CD-31CE829CF50D}"/>
+                <a16:creationId xmlns:a16="http://schemas.microsoft.com/office/drawing/2014/main" id="{9007D4E5-144C-503A-746E-8A04A4B8350D}"/>
               </a:ext>
             </a:extLst>
           </p:cNvPr>
@@ -783,7 +783,7 @@
           <p:cNvPr id="3" name="内容占位符 2">
             <a:extLst>
               <a:ext uri="{FF2B5EF4-FFF2-40B4-BE49-F238E27FC236}">
-                <a16:creationId xmlns:a16="http://schemas.microsoft.com/office/drawing/2014/main" id="{54B57536-4A62-BD9F-B5DD-63B4DFD034D5}"/>
+                <a16:creationId xmlns:a16="http://schemas.microsoft.com/office/drawing/2014/main" id="{A6EDAAAF-701C-D44A-78B9-18EF59A62649}"/>
               </a:ext>
             </a:extLst>
           </p:cNvPr>
@@ -840,7 +840,7 @@
           <p:cNvPr id="4" name="日期占位符 3">
             <a:extLst>
               <a:ext uri="{FF2B5EF4-FFF2-40B4-BE49-F238E27FC236}">
-                <a16:creationId xmlns:a16="http://schemas.microsoft.com/office/drawing/2014/main" id="{74EF9313-17CE-8BA5-CA36-DC6370DC6AD3}"/>
+                <a16:creationId xmlns:a16="http://schemas.microsoft.com/office/drawing/2014/main" id="{0B743ADC-3DA2-9932-869A-29F56C668679}"/>
               </a:ext>
             </a:extLst>
           </p:cNvPr>
@@ -856,7 +856,7 @@
           <a:bodyPr/>
           <a:lstStyle/>
           <a:p>
-            <a:fld id="{F7D7F103-DD1C-406E-9D42-DA06D36EDE0F}" type="datetimeFigureOut">
+            <a:fld id="{61E6A90C-F1E3-4F69-A95C-D0DD0F73748F}" type="datetimeFigureOut">
               <a:rPr lang="zh-CN" altLang="en-US" smtClean="0"/>
               <a:t>2024/3/10</a:t>
             </a:fld>
@@ -869,7 +869,7 @@
           <p:cNvPr id="5" name="页脚占位符 4">
             <a:extLst>
               <a:ext uri="{FF2B5EF4-FFF2-40B4-BE49-F238E27FC236}">
-                <a16:creationId xmlns:a16="http://schemas.microsoft.com/office/drawing/2014/main" id="{81AD4C8A-CCD6-796E-C129-7992C321109A}"/>
+                <a16:creationId xmlns:a16="http://schemas.microsoft.com/office/drawing/2014/main" id="{E907F87D-5537-9E87-DC6E-4D9EB6FA636A}"/>
               </a:ext>
             </a:extLst>
           </p:cNvPr>
@@ -894,7 +894,7 @@
           <p:cNvPr id="6" name="灯片编号占位符 5">
             <a:extLst>
               <a:ext uri="{FF2B5EF4-FFF2-40B4-BE49-F238E27FC236}">
-                <a16:creationId xmlns:a16="http://schemas.microsoft.com/office/drawing/2014/main" id="{BAB9861C-C8BE-C098-42A3-65D573EFB746}"/>
+                <a16:creationId xmlns:a16="http://schemas.microsoft.com/office/drawing/2014/main" id="{CF0BA8A6-CA93-FF2C-16E3-208D39AF6E0A}"/>
               </a:ext>
             </a:extLst>
           </p:cNvPr>
@@ -910,7 +910,7 @@
           <a:bodyPr/>
           <a:lstStyle/>
           <a:p>
-            <a:fld id="{55B2AD2A-A962-45E9-80FE-EED6B4314960}" type="slidenum">
+            <a:fld id="{99A57CC9-ABC4-475F-8681-358CD529E301}" type="slidenum">
               <a:rPr lang="zh-CN" altLang="en-US" smtClean="0"/>
               <a:t>‹#›</a:t>
             </a:fld>
@@ -921,7 +921,7 @@
     </p:spTree>
     <p:extLst>
       <p:ext uri="{BB962C8B-B14F-4D97-AF65-F5344CB8AC3E}">
-        <p14:creationId xmlns:p14="http://schemas.microsoft.com/office/powerpoint/2010/main" val="3933166667"/>
+        <p14:creationId xmlns:p14="http://schemas.microsoft.com/office/powerpoint/2010/main" val="711630420"/>
       </p:ext>
     </p:extLst>
   </p:cSld>
@@ -953,7 +953,7 @@
           <p:cNvPr id="2" name="标题 1">
             <a:extLst>
               <a:ext uri="{FF2B5EF4-FFF2-40B4-BE49-F238E27FC236}">
-                <a16:creationId xmlns:a16="http://schemas.microsoft.com/office/drawing/2014/main" id="{ABF9B35F-38CA-B29F-3BBC-6F2B8306519D}"/>
+                <a16:creationId xmlns:a16="http://schemas.microsoft.com/office/drawing/2014/main" id="{EF57253E-7A4C-5727-23BD-CD004E861343}"/>
               </a:ext>
             </a:extLst>
           </p:cNvPr>
@@ -990,7 +990,7 @@
           <p:cNvPr id="3" name="文本占位符 2">
             <a:extLst>
               <a:ext uri="{FF2B5EF4-FFF2-40B4-BE49-F238E27FC236}">
-                <a16:creationId xmlns:a16="http://schemas.microsoft.com/office/drawing/2014/main" id="{D6C81C52-DC41-A0CC-209E-67AB81C9546B}"/>
+                <a16:creationId xmlns:a16="http://schemas.microsoft.com/office/drawing/2014/main" id="{95F55EE7-8B2F-89DF-77D0-2CC1799A0DCD}"/>
               </a:ext>
             </a:extLst>
           </p:cNvPr>
@@ -1115,7 +1115,7 @@
           <p:cNvPr id="4" name="日期占位符 3">
             <a:extLst>
               <a:ext uri="{FF2B5EF4-FFF2-40B4-BE49-F238E27FC236}">
-                <a16:creationId xmlns:a16="http://schemas.microsoft.com/office/drawing/2014/main" id="{D0B05A2C-A35E-60CB-9252-C27440807390}"/>
+                <a16:creationId xmlns:a16="http://schemas.microsoft.com/office/drawing/2014/main" id="{339E2377-CE91-7611-1E04-FA69BD1A74DB}"/>
               </a:ext>
             </a:extLst>
           </p:cNvPr>
@@ -1131,7 +1131,7 @@
           <a:bodyPr/>
           <a:lstStyle/>
           <a:p>
-            <a:fld id="{F7D7F103-DD1C-406E-9D42-DA06D36EDE0F}" type="datetimeFigureOut">
+            <a:fld id="{61E6A90C-F1E3-4F69-A95C-D0DD0F73748F}" type="datetimeFigureOut">
               <a:rPr lang="zh-CN" altLang="en-US" smtClean="0"/>
               <a:t>2024/3/10</a:t>
             </a:fld>
@@ -1144,7 +1144,7 @@
           <p:cNvPr id="5" name="页脚占位符 4">
             <a:extLst>
               <a:ext uri="{FF2B5EF4-FFF2-40B4-BE49-F238E27FC236}">
-                <a16:creationId xmlns:a16="http://schemas.microsoft.com/office/drawing/2014/main" id="{019F735A-2122-576E-D01F-4C1EED4722AA}"/>
+                <a16:creationId xmlns:a16="http://schemas.microsoft.com/office/drawing/2014/main" id="{8D7E8E03-8726-7708-4551-CE08A277102D}"/>
               </a:ext>
             </a:extLst>
           </p:cNvPr>
@@ -1169,7 +1169,7 @@
           <p:cNvPr id="6" name="灯片编号占位符 5">
             <a:extLst>
               <a:ext uri="{FF2B5EF4-FFF2-40B4-BE49-F238E27FC236}">
-                <a16:creationId xmlns:a16="http://schemas.microsoft.com/office/drawing/2014/main" id="{EB7355C5-A975-24B2-40E1-667666BCE03E}"/>
+                <a16:creationId xmlns:a16="http://schemas.microsoft.com/office/drawing/2014/main" id="{7D9267E4-B239-462B-F88A-C1463CEEA14B}"/>
               </a:ext>
             </a:extLst>
           </p:cNvPr>
@@ -1185,7 +1185,7 @@
           <a:bodyPr/>
           <a:lstStyle/>
           <a:p>
-            <a:fld id="{55B2AD2A-A962-45E9-80FE-EED6B4314960}" type="slidenum">
+            <a:fld id="{99A57CC9-ABC4-475F-8681-358CD529E301}" type="slidenum">
               <a:rPr lang="zh-CN" altLang="en-US" smtClean="0"/>
               <a:t>‹#›</a:t>
             </a:fld>
@@ -1196,7 +1196,7 @@
     </p:spTree>
     <p:extLst>
       <p:ext uri="{BB962C8B-B14F-4D97-AF65-F5344CB8AC3E}">
-        <p14:creationId xmlns:p14="http://schemas.microsoft.com/office/powerpoint/2010/main" val="2413394426"/>
+        <p14:creationId xmlns:p14="http://schemas.microsoft.com/office/powerpoint/2010/main" val="2401093909"/>
       </p:ext>
     </p:extLst>
   </p:cSld>
@@ -1228,7 +1228,7 @@
           <p:cNvPr id="2" name="标题 1">
             <a:extLst>
               <a:ext uri="{FF2B5EF4-FFF2-40B4-BE49-F238E27FC236}">
-                <a16:creationId xmlns:a16="http://schemas.microsoft.com/office/drawing/2014/main" id="{11C383EE-B8D2-AA6E-B3AE-29009D70AECA}"/>
+                <a16:creationId xmlns:a16="http://schemas.microsoft.com/office/drawing/2014/main" id="{1EAF4F0F-55B6-EA69-1585-30A4757039ED}"/>
               </a:ext>
             </a:extLst>
           </p:cNvPr>
@@ -1256,7 +1256,7 @@
           <p:cNvPr id="3" name="内容占位符 2">
             <a:extLst>
               <a:ext uri="{FF2B5EF4-FFF2-40B4-BE49-F238E27FC236}">
-                <a16:creationId xmlns:a16="http://schemas.microsoft.com/office/drawing/2014/main" id="{A67ED018-854F-7A5D-D336-558084A7D2B5}"/>
+                <a16:creationId xmlns:a16="http://schemas.microsoft.com/office/drawing/2014/main" id="{176916B0-F1B5-CEF3-0C58-4B01DFFCA7BB}"/>
               </a:ext>
             </a:extLst>
           </p:cNvPr>
@@ -1318,7 +1318,7 @@
           <p:cNvPr id="4" name="内容占位符 3">
             <a:extLst>
               <a:ext uri="{FF2B5EF4-FFF2-40B4-BE49-F238E27FC236}">
-                <a16:creationId xmlns:a16="http://schemas.microsoft.com/office/drawing/2014/main" id="{E32FDE21-C3F1-545E-558A-EAD96FDFB9DB}"/>
+                <a16:creationId xmlns:a16="http://schemas.microsoft.com/office/drawing/2014/main" id="{C1586377-8A97-A51E-4042-7D9923731DF0}"/>
               </a:ext>
             </a:extLst>
           </p:cNvPr>
@@ -1380,7 +1380,7 @@
           <p:cNvPr id="5" name="日期占位符 4">
             <a:extLst>
               <a:ext uri="{FF2B5EF4-FFF2-40B4-BE49-F238E27FC236}">
-                <a16:creationId xmlns:a16="http://schemas.microsoft.com/office/drawing/2014/main" id="{A0583162-2157-33B4-B6D7-CD6E64744C55}"/>
+                <a16:creationId xmlns:a16="http://schemas.microsoft.com/office/drawing/2014/main" id="{38458A8B-A492-27E2-B022-1BD71C8AD321}"/>
               </a:ext>
             </a:extLst>
           </p:cNvPr>
@@ -1396,7 +1396,7 @@
           <a:bodyPr/>
           <a:lstStyle/>
           <a:p>
-            <a:fld id="{F7D7F103-DD1C-406E-9D42-DA06D36EDE0F}" type="datetimeFigureOut">
+            <a:fld id="{61E6A90C-F1E3-4F69-A95C-D0DD0F73748F}" type="datetimeFigureOut">
               <a:rPr lang="zh-CN" altLang="en-US" smtClean="0"/>
               <a:t>2024/3/10</a:t>
             </a:fld>
@@ -1409,7 +1409,7 @@
           <p:cNvPr id="6" name="页脚占位符 5">
             <a:extLst>
               <a:ext uri="{FF2B5EF4-FFF2-40B4-BE49-F238E27FC236}">
-                <a16:creationId xmlns:a16="http://schemas.microsoft.com/office/drawing/2014/main" id="{876242BC-B55C-251A-1F56-C7B32B853C84}"/>
+                <a16:creationId xmlns:a16="http://schemas.microsoft.com/office/drawing/2014/main" id="{E3BB1E00-A63A-E8EE-943D-B741A0849F7F}"/>
               </a:ext>
             </a:extLst>
           </p:cNvPr>
@@ -1434,7 +1434,7 @@
           <p:cNvPr id="7" name="灯片编号占位符 6">
             <a:extLst>
               <a:ext uri="{FF2B5EF4-FFF2-40B4-BE49-F238E27FC236}">
-                <a16:creationId xmlns:a16="http://schemas.microsoft.com/office/drawing/2014/main" id="{470FDC87-9156-AAF0-EDB4-605A684CDF97}"/>
+                <a16:creationId xmlns:a16="http://schemas.microsoft.com/office/drawing/2014/main" id="{723DA361-44BE-66C0-0DC2-5CEC0D33D13D}"/>
               </a:ext>
             </a:extLst>
           </p:cNvPr>
@@ -1450,7 +1450,7 @@
           <a:bodyPr/>
           <a:lstStyle/>
           <a:p>
-            <a:fld id="{55B2AD2A-A962-45E9-80FE-EED6B4314960}" type="slidenum">
+            <a:fld id="{99A57CC9-ABC4-475F-8681-358CD529E301}" type="slidenum">
               <a:rPr lang="zh-CN" altLang="en-US" smtClean="0"/>
               <a:t>‹#›</a:t>
             </a:fld>
@@ -1461,7 +1461,7 @@
     </p:spTree>
     <p:extLst>
       <p:ext uri="{BB962C8B-B14F-4D97-AF65-F5344CB8AC3E}">
-        <p14:creationId xmlns:p14="http://schemas.microsoft.com/office/powerpoint/2010/main" val="706349766"/>
+        <p14:creationId xmlns:p14="http://schemas.microsoft.com/office/powerpoint/2010/main" val="993709453"/>
       </p:ext>
     </p:extLst>
   </p:cSld>
@@ -1493,7 +1493,7 @@
           <p:cNvPr id="2" name="标题 1">
             <a:extLst>
               <a:ext uri="{FF2B5EF4-FFF2-40B4-BE49-F238E27FC236}">
-                <a16:creationId xmlns:a16="http://schemas.microsoft.com/office/drawing/2014/main" id="{79598992-4418-FB55-C8C2-85AE1FFB6DC9}"/>
+                <a16:creationId xmlns:a16="http://schemas.microsoft.com/office/drawing/2014/main" id="{569F6147-86D1-D6C4-1927-DF056B25EC81}"/>
               </a:ext>
             </a:extLst>
           </p:cNvPr>
@@ -1526,7 +1526,7 @@
           <p:cNvPr id="3" name="文本占位符 2">
             <a:extLst>
               <a:ext uri="{FF2B5EF4-FFF2-40B4-BE49-F238E27FC236}">
-                <a16:creationId xmlns:a16="http://schemas.microsoft.com/office/drawing/2014/main" id="{D1115A6B-D658-8001-90A2-AA24AB159C9D}"/>
+                <a16:creationId xmlns:a16="http://schemas.microsoft.com/office/drawing/2014/main" id="{8C28BA3C-A10F-B8E1-4CFF-C18F7E26AEF6}"/>
               </a:ext>
             </a:extLst>
           </p:cNvPr>
@@ -1597,7 +1597,7 @@
           <p:cNvPr id="4" name="内容占位符 3">
             <a:extLst>
               <a:ext uri="{FF2B5EF4-FFF2-40B4-BE49-F238E27FC236}">
-                <a16:creationId xmlns:a16="http://schemas.microsoft.com/office/drawing/2014/main" id="{84210913-0C32-4380-DACE-6B3C74FB94C6}"/>
+                <a16:creationId xmlns:a16="http://schemas.microsoft.com/office/drawing/2014/main" id="{16B35CC1-D54D-65CE-EE8C-3EEDA9972C30}"/>
               </a:ext>
             </a:extLst>
           </p:cNvPr>
@@ -1659,7 +1659,7 @@
           <p:cNvPr id="5" name="文本占位符 4">
             <a:extLst>
               <a:ext uri="{FF2B5EF4-FFF2-40B4-BE49-F238E27FC236}">
-                <a16:creationId xmlns:a16="http://schemas.microsoft.com/office/drawing/2014/main" id="{03D652B1-1290-23FA-4867-D3D5160A2272}"/>
+                <a16:creationId xmlns:a16="http://schemas.microsoft.com/office/drawing/2014/main" id="{245F02C7-19CD-5F83-195C-2A77424713C4}"/>
               </a:ext>
             </a:extLst>
           </p:cNvPr>
@@ -1730,7 +1730,7 @@
           <p:cNvPr id="6" name="内容占位符 5">
             <a:extLst>
               <a:ext uri="{FF2B5EF4-FFF2-40B4-BE49-F238E27FC236}">
-                <a16:creationId xmlns:a16="http://schemas.microsoft.com/office/drawing/2014/main" id="{8E7F529E-C951-9A4E-CF6F-B136CE99A2AB}"/>
+                <a16:creationId xmlns:a16="http://schemas.microsoft.com/office/drawing/2014/main" id="{BAF57BF0-F82E-ADE5-D0F4-4C0B679A77B5}"/>
               </a:ext>
             </a:extLst>
           </p:cNvPr>
@@ -1792,7 +1792,7 @@
           <p:cNvPr id="7" name="日期占位符 6">
             <a:extLst>
               <a:ext uri="{FF2B5EF4-FFF2-40B4-BE49-F238E27FC236}">
-                <a16:creationId xmlns:a16="http://schemas.microsoft.com/office/drawing/2014/main" id="{4FF88926-4D21-7D4F-6C74-2497A20C74BB}"/>
+                <a16:creationId xmlns:a16="http://schemas.microsoft.com/office/drawing/2014/main" id="{E5176408-B236-5A93-5132-66BB4EDF36B2}"/>
               </a:ext>
             </a:extLst>
           </p:cNvPr>
@@ -1808,7 +1808,7 @@
           <a:bodyPr/>
           <a:lstStyle/>
           <a:p>
-            <a:fld id="{F7D7F103-DD1C-406E-9D42-DA06D36EDE0F}" type="datetimeFigureOut">
+            <a:fld id="{61E6A90C-F1E3-4F69-A95C-D0DD0F73748F}" type="datetimeFigureOut">
               <a:rPr lang="zh-CN" altLang="en-US" smtClean="0"/>
               <a:t>2024/3/10</a:t>
             </a:fld>
@@ -1821,7 +1821,7 @@
           <p:cNvPr id="8" name="页脚占位符 7">
             <a:extLst>
               <a:ext uri="{FF2B5EF4-FFF2-40B4-BE49-F238E27FC236}">
-                <a16:creationId xmlns:a16="http://schemas.microsoft.com/office/drawing/2014/main" id="{BE3EE7C5-2C07-D261-D9B3-C82D51A9F46E}"/>
+                <a16:creationId xmlns:a16="http://schemas.microsoft.com/office/drawing/2014/main" id="{8D338A1C-E514-37FD-B156-83AC4F23D22D}"/>
               </a:ext>
             </a:extLst>
           </p:cNvPr>
@@ -1846,7 +1846,7 @@
           <p:cNvPr id="9" name="灯片编号占位符 8">
             <a:extLst>
               <a:ext uri="{FF2B5EF4-FFF2-40B4-BE49-F238E27FC236}">
-                <a16:creationId xmlns:a16="http://schemas.microsoft.com/office/drawing/2014/main" id="{28D78EA8-3DDD-C10E-968D-666443826470}"/>
+                <a16:creationId xmlns:a16="http://schemas.microsoft.com/office/drawing/2014/main" id="{58B034B9-A5AC-C87C-990B-2D523D43BE95}"/>
               </a:ext>
             </a:extLst>
           </p:cNvPr>
@@ -1862,7 +1862,7 @@
           <a:bodyPr/>
           <a:lstStyle/>
           <a:p>
-            <a:fld id="{55B2AD2A-A962-45E9-80FE-EED6B4314960}" type="slidenum">
+            <a:fld id="{99A57CC9-ABC4-475F-8681-358CD529E301}" type="slidenum">
               <a:rPr lang="zh-CN" altLang="en-US" smtClean="0"/>
               <a:t>‹#›</a:t>
             </a:fld>
@@ -1873,7 +1873,7 @@
     </p:spTree>
     <p:extLst>
       <p:ext uri="{BB962C8B-B14F-4D97-AF65-F5344CB8AC3E}">
-        <p14:creationId xmlns:p14="http://schemas.microsoft.com/office/powerpoint/2010/main" val="441778383"/>
+        <p14:creationId xmlns:p14="http://schemas.microsoft.com/office/powerpoint/2010/main" val="3304591377"/>
       </p:ext>
     </p:extLst>
   </p:cSld>
@@ -1905,7 +1905,7 @@
           <p:cNvPr id="2" name="标题 1">
             <a:extLst>
               <a:ext uri="{FF2B5EF4-FFF2-40B4-BE49-F238E27FC236}">
-                <a16:creationId xmlns:a16="http://schemas.microsoft.com/office/drawing/2014/main" id="{3C0303AB-803B-743C-5B3F-8803F707406C}"/>
+                <a16:creationId xmlns:a16="http://schemas.microsoft.com/office/drawing/2014/main" id="{5128DF66-B588-7C74-D3E6-6B1D691DE8C0}"/>
               </a:ext>
             </a:extLst>
           </p:cNvPr>
@@ -1933,7 +1933,7 @@
           <p:cNvPr id="3" name="日期占位符 2">
             <a:extLst>
               <a:ext uri="{FF2B5EF4-FFF2-40B4-BE49-F238E27FC236}">
-                <a16:creationId xmlns:a16="http://schemas.microsoft.com/office/drawing/2014/main" id="{9088906B-2BFC-C8EE-C4B2-9963BB457C24}"/>
+                <a16:creationId xmlns:a16="http://schemas.microsoft.com/office/drawing/2014/main" id="{FDB92012-8164-CD3E-FF52-600A90587D47}"/>
               </a:ext>
             </a:extLst>
           </p:cNvPr>
@@ -1949,7 +1949,7 @@
           <a:bodyPr/>
           <a:lstStyle/>
           <a:p>
-            <a:fld id="{F7D7F103-DD1C-406E-9D42-DA06D36EDE0F}" type="datetimeFigureOut">
+            <a:fld id="{61E6A90C-F1E3-4F69-A95C-D0DD0F73748F}" type="datetimeFigureOut">
               <a:rPr lang="zh-CN" altLang="en-US" smtClean="0"/>
               <a:t>2024/3/10</a:t>
             </a:fld>
@@ -1962,7 +1962,7 @@
           <p:cNvPr id="4" name="页脚占位符 3">
             <a:extLst>
               <a:ext uri="{FF2B5EF4-FFF2-40B4-BE49-F238E27FC236}">
-                <a16:creationId xmlns:a16="http://schemas.microsoft.com/office/drawing/2014/main" id="{0BA0015B-4AE5-E57A-38C4-1C1F81E2A771}"/>
+                <a16:creationId xmlns:a16="http://schemas.microsoft.com/office/drawing/2014/main" id="{F1E1099F-BF40-4F07-6700-4F8613A6E958}"/>
               </a:ext>
             </a:extLst>
           </p:cNvPr>
@@ -1987,7 +1987,7 @@
           <p:cNvPr id="5" name="灯片编号占位符 4">
             <a:extLst>
               <a:ext uri="{FF2B5EF4-FFF2-40B4-BE49-F238E27FC236}">
-                <a16:creationId xmlns:a16="http://schemas.microsoft.com/office/drawing/2014/main" id="{F95B31C3-7FEC-F3B4-5CEE-A7406B2D979A}"/>
+                <a16:creationId xmlns:a16="http://schemas.microsoft.com/office/drawing/2014/main" id="{4F9632D8-7127-E242-3268-E6AF41E53248}"/>
               </a:ext>
             </a:extLst>
           </p:cNvPr>
@@ -2003,7 +2003,7 @@
           <a:bodyPr/>
           <a:lstStyle/>
           <a:p>
-            <a:fld id="{55B2AD2A-A962-45E9-80FE-EED6B4314960}" type="slidenum">
+            <a:fld id="{99A57CC9-ABC4-475F-8681-358CD529E301}" type="slidenum">
               <a:rPr lang="zh-CN" altLang="en-US" smtClean="0"/>
               <a:t>‹#›</a:t>
             </a:fld>
@@ -2014,7 +2014,7 @@
     </p:spTree>
     <p:extLst>
       <p:ext uri="{BB962C8B-B14F-4D97-AF65-F5344CB8AC3E}">
-        <p14:creationId xmlns:p14="http://schemas.microsoft.com/office/powerpoint/2010/main" val="1057625300"/>
+        <p14:creationId xmlns:p14="http://schemas.microsoft.com/office/powerpoint/2010/main" val="3923687821"/>
       </p:ext>
     </p:extLst>
   </p:cSld>
@@ -2046,7 +2046,7 @@
           <p:cNvPr id="2" name="日期占位符 1">
             <a:extLst>
               <a:ext uri="{FF2B5EF4-FFF2-40B4-BE49-F238E27FC236}">
-                <a16:creationId xmlns:a16="http://schemas.microsoft.com/office/drawing/2014/main" id="{4409983F-F326-9E9E-78AC-78013C8B831F}"/>
+                <a16:creationId xmlns:a16="http://schemas.microsoft.com/office/drawing/2014/main" id="{63D0848A-AB7C-0DD4-74D3-8FD7EB109E94}"/>
               </a:ext>
             </a:extLst>
           </p:cNvPr>
@@ -2062,7 +2062,7 @@
           <a:bodyPr/>
           <a:lstStyle/>
           <a:p>
-            <a:fld id="{F7D7F103-DD1C-406E-9D42-DA06D36EDE0F}" type="datetimeFigureOut">
+            <a:fld id="{61E6A90C-F1E3-4F69-A95C-D0DD0F73748F}" type="datetimeFigureOut">
               <a:rPr lang="zh-CN" altLang="en-US" smtClean="0"/>
               <a:t>2024/3/10</a:t>
             </a:fld>
@@ -2075,7 +2075,7 @@
           <p:cNvPr id="3" name="页脚占位符 2">
             <a:extLst>
               <a:ext uri="{FF2B5EF4-FFF2-40B4-BE49-F238E27FC236}">
-                <a16:creationId xmlns:a16="http://schemas.microsoft.com/office/drawing/2014/main" id="{A4A1BB4E-7C6A-BB6A-928F-CBBF50158103}"/>
+                <a16:creationId xmlns:a16="http://schemas.microsoft.com/office/drawing/2014/main" id="{41BB244E-2B2E-63D4-3DCE-72F4FFA8DA20}"/>
               </a:ext>
             </a:extLst>
           </p:cNvPr>
@@ -2100,7 +2100,7 @@
           <p:cNvPr id="4" name="灯片编号占位符 3">
             <a:extLst>
               <a:ext uri="{FF2B5EF4-FFF2-40B4-BE49-F238E27FC236}">
-                <a16:creationId xmlns:a16="http://schemas.microsoft.com/office/drawing/2014/main" id="{E8206BC0-D723-3323-503D-B9211AC823DA}"/>
+                <a16:creationId xmlns:a16="http://schemas.microsoft.com/office/drawing/2014/main" id="{014ACAC6-5D27-837D-9D81-BF855E492E1C}"/>
               </a:ext>
             </a:extLst>
           </p:cNvPr>
@@ -2116,7 +2116,7 @@
           <a:bodyPr/>
           <a:lstStyle/>
           <a:p>
-            <a:fld id="{55B2AD2A-A962-45E9-80FE-EED6B4314960}" type="slidenum">
+            <a:fld id="{99A57CC9-ABC4-475F-8681-358CD529E301}" type="slidenum">
               <a:rPr lang="zh-CN" altLang="en-US" smtClean="0"/>
               <a:t>‹#›</a:t>
             </a:fld>
@@ -2127,7 +2127,7 @@
     </p:spTree>
     <p:extLst>
       <p:ext uri="{BB962C8B-B14F-4D97-AF65-F5344CB8AC3E}">
-        <p14:creationId xmlns:p14="http://schemas.microsoft.com/office/powerpoint/2010/main" val="4163837405"/>
+        <p14:creationId xmlns:p14="http://schemas.microsoft.com/office/powerpoint/2010/main" val="4000830522"/>
       </p:ext>
     </p:extLst>
   </p:cSld>
@@ -2159,7 +2159,7 @@
           <p:cNvPr id="2" name="标题 1">
             <a:extLst>
               <a:ext uri="{FF2B5EF4-FFF2-40B4-BE49-F238E27FC236}">
-                <a16:creationId xmlns:a16="http://schemas.microsoft.com/office/drawing/2014/main" id="{5D37FE54-D3C0-0395-09B7-DA225822F91B}"/>
+                <a16:creationId xmlns:a16="http://schemas.microsoft.com/office/drawing/2014/main" id="{7098F04D-5860-EBC6-804C-00E85369F91A}"/>
               </a:ext>
             </a:extLst>
           </p:cNvPr>
@@ -2196,7 +2196,7 @@
           <p:cNvPr id="3" name="内容占位符 2">
             <a:extLst>
               <a:ext uri="{FF2B5EF4-FFF2-40B4-BE49-F238E27FC236}">
-                <a16:creationId xmlns:a16="http://schemas.microsoft.com/office/drawing/2014/main" id="{423864CB-F1B8-57A3-376C-E09D78390592}"/>
+                <a16:creationId xmlns:a16="http://schemas.microsoft.com/office/drawing/2014/main" id="{A3456D84-5FA0-4AAE-7BA0-E97328C2C702}"/>
               </a:ext>
             </a:extLst>
           </p:cNvPr>
@@ -2286,7 +2286,7 @@
           <p:cNvPr id="4" name="文本占位符 3">
             <a:extLst>
               <a:ext uri="{FF2B5EF4-FFF2-40B4-BE49-F238E27FC236}">
-                <a16:creationId xmlns:a16="http://schemas.microsoft.com/office/drawing/2014/main" id="{73D33E72-1E41-7A42-BFC2-49995E3BFF98}"/>
+                <a16:creationId xmlns:a16="http://schemas.microsoft.com/office/drawing/2014/main" id="{CAD12CFA-D7B1-7226-9F4E-056E151AD3BB}"/>
               </a:ext>
             </a:extLst>
           </p:cNvPr>
@@ -2357,7 +2357,7 @@
           <p:cNvPr id="5" name="日期占位符 4">
             <a:extLst>
               <a:ext uri="{FF2B5EF4-FFF2-40B4-BE49-F238E27FC236}">
-                <a16:creationId xmlns:a16="http://schemas.microsoft.com/office/drawing/2014/main" id="{D4D02587-DA94-DDC8-3869-719944A44ADB}"/>
+                <a16:creationId xmlns:a16="http://schemas.microsoft.com/office/drawing/2014/main" id="{A409A754-86EF-4221-F153-2135729A5991}"/>
               </a:ext>
             </a:extLst>
           </p:cNvPr>
@@ -2373,7 +2373,7 @@
           <a:bodyPr/>
           <a:lstStyle/>
           <a:p>
-            <a:fld id="{F7D7F103-DD1C-406E-9D42-DA06D36EDE0F}" type="datetimeFigureOut">
+            <a:fld id="{61E6A90C-F1E3-4F69-A95C-D0DD0F73748F}" type="datetimeFigureOut">
               <a:rPr lang="zh-CN" altLang="en-US" smtClean="0"/>
               <a:t>2024/3/10</a:t>
             </a:fld>
@@ -2386,7 +2386,7 @@
           <p:cNvPr id="6" name="页脚占位符 5">
             <a:extLst>
               <a:ext uri="{FF2B5EF4-FFF2-40B4-BE49-F238E27FC236}">
-                <a16:creationId xmlns:a16="http://schemas.microsoft.com/office/drawing/2014/main" id="{B69498C0-C6A4-4BA7-79B7-D6AE0CEB3A3A}"/>
+                <a16:creationId xmlns:a16="http://schemas.microsoft.com/office/drawing/2014/main" id="{ECE8323B-7EA2-7FF1-9A74-3AD12FF6BA06}"/>
               </a:ext>
             </a:extLst>
           </p:cNvPr>
@@ -2411,7 +2411,7 @@
           <p:cNvPr id="7" name="灯片编号占位符 6">
             <a:extLst>
               <a:ext uri="{FF2B5EF4-FFF2-40B4-BE49-F238E27FC236}">
-                <a16:creationId xmlns:a16="http://schemas.microsoft.com/office/drawing/2014/main" id="{D0FEA5D5-4BDD-62BC-EECE-ED5E9A66BA8E}"/>
+                <a16:creationId xmlns:a16="http://schemas.microsoft.com/office/drawing/2014/main" id="{A075C127-F5A2-DC0B-0F21-076E65AF5331}"/>
               </a:ext>
             </a:extLst>
           </p:cNvPr>
@@ -2427,7 +2427,7 @@
           <a:bodyPr/>
           <a:lstStyle/>
           <a:p>
-            <a:fld id="{55B2AD2A-A962-45E9-80FE-EED6B4314960}" type="slidenum">
+            <a:fld id="{99A57CC9-ABC4-475F-8681-358CD529E301}" type="slidenum">
               <a:rPr lang="zh-CN" altLang="en-US" smtClean="0"/>
               <a:t>‹#›</a:t>
             </a:fld>
@@ -2438,7 +2438,7 @@
     </p:spTree>
     <p:extLst>
       <p:ext uri="{BB962C8B-B14F-4D97-AF65-F5344CB8AC3E}">
-        <p14:creationId xmlns:p14="http://schemas.microsoft.com/office/powerpoint/2010/main" val="1598750043"/>
+        <p14:creationId xmlns:p14="http://schemas.microsoft.com/office/powerpoint/2010/main" val="1152488379"/>
       </p:ext>
     </p:extLst>
   </p:cSld>
@@ -2470,7 +2470,7 @@
           <p:cNvPr id="2" name="标题 1">
             <a:extLst>
               <a:ext uri="{FF2B5EF4-FFF2-40B4-BE49-F238E27FC236}">
-                <a16:creationId xmlns:a16="http://schemas.microsoft.com/office/drawing/2014/main" id="{DF671F5C-8D30-9218-87A6-73E52B7672C2}"/>
+                <a16:creationId xmlns:a16="http://schemas.microsoft.com/office/drawing/2014/main" id="{7827A3BF-E164-6843-FAD5-94F9C0EDE8A5}"/>
               </a:ext>
             </a:extLst>
           </p:cNvPr>
@@ -2507,7 +2507,7 @@
           <p:cNvPr id="3" name="图片占位符 2">
             <a:extLst>
               <a:ext uri="{FF2B5EF4-FFF2-40B4-BE49-F238E27FC236}">
-                <a16:creationId xmlns:a16="http://schemas.microsoft.com/office/drawing/2014/main" id="{5FEC3FD4-4EBB-C60E-FC26-438AF801A57D}"/>
+                <a16:creationId xmlns:a16="http://schemas.microsoft.com/office/drawing/2014/main" id="{AFBE17CD-21C0-CD32-B498-D8719AD740B8}"/>
               </a:ext>
             </a:extLst>
           </p:cNvPr>
@@ -2574,7 +2574,7 @@
           <p:cNvPr id="4" name="文本占位符 3">
             <a:extLst>
               <a:ext uri="{FF2B5EF4-FFF2-40B4-BE49-F238E27FC236}">
-                <a16:creationId xmlns:a16="http://schemas.microsoft.com/office/drawing/2014/main" id="{2565B1B6-F512-979D-4664-515EAE277CA6}"/>
+                <a16:creationId xmlns:a16="http://schemas.microsoft.com/office/drawing/2014/main" id="{54836491-619D-F0B3-E45A-3EF207E8CD48}"/>
               </a:ext>
             </a:extLst>
           </p:cNvPr>
@@ -2645,7 +2645,7 @@
           <p:cNvPr id="5" name="日期占位符 4">
             <a:extLst>
               <a:ext uri="{FF2B5EF4-FFF2-40B4-BE49-F238E27FC236}">
-                <a16:creationId xmlns:a16="http://schemas.microsoft.com/office/drawing/2014/main" id="{58525D7B-B163-6692-9858-4C9AB877569F}"/>
+                <a16:creationId xmlns:a16="http://schemas.microsoft.com/office/drawing/2014/main" id="{419EB70E-2F3D-897E-AD0B-65994CD5B09B}"/>
               </a:ext>
             </a:extLst>
           </p:cNvPr>
@@ -2661,7 +2661,7 @@
           <a:bodyPr/>
           <a:lstStyle/>
           <a:p>
-            <a:fld id="{F7D7F103-DD1C-406E-9D42-DA06D36EDE0F}" type="datetimeFigureOut">
+            <a:fld id="{61E6A90C-F1E3-4F69-A95C-D0DD0F73748F}" type="datetimeFigureOut">
               <a:rPr lang="zh-CN" altLang="en-US" smtClean="0"/>
               <a:t>2024/3/10</a:t>
             </a:fld>
@@ -2674,7 +2674,7 @@
           <p:cNvPr id="6" name="页脚占位符 5">
             <a:extLst>
               <a:ext uri="{FF2B5EF4-FFF2-40B4-BE49-F238E27FC236}">
-                <a16:creationId xmlns:a16="http://schemas.microsoft.com/office/drawing/2014/main" id="{E0D2FC3C-4E8B-A64E-D643-45AE5A9F452E}"/>
+                <a16:creationId xmlns:a16="http://schemas.microsoft.com/office/drawing/2014/main" id="{50E839D1-FDB3-F44C-0D67-409A246815E6}"/>
               </a:ext>
             </a:extLst>
           </p:cNvPr>
@@ -2699,7 +2699,7 @@
           <p:cNvPr id="7" name="灯片编号占位符 6">
             <a:extLst>
               <a:ext uri="{FF2B5EF4-FFF2-40B4-BE49-F238E27FC236}">
-                <a16:creationId xmlns:a16="http://schemas.microsoft.com/office/drawing/2014/main" id="{73C5D6CB-B91D-939F-E0EA-48064151672A}"/>
+                <a16:creationId xmlns:a16="http://schemas.microsoft.com/office/drawing/2014/main" id="{E355AAB6-B4C7-7494-5BC4-35A19A4CA966}"/>
               </a:ext>
             </a:extLst>
           </p:cNvPr>
@@ -2715,7 +2715,7 @@
           <a:bodyPr/>
           <a:lstStyle/>
           <a:p>
-            <a:fld id="{55B2AD2A-A962-45E9-80FE-EED6B4314960}" type="slidenum">
+            <a:fld id="{99A57CC9-ABC4-475F-8681-358CD529E301}" type="slidenum">
               <a:rPr lang="zh-CN" altLang="en-US" smtClean="0"/>
               <a:t>‹#›</a:t>
             </a:fld>
@@ -2726,7 +2726,7 @@
     </p:spTree>
     <p:extLst>
       <p:ext uri="{BB962C8B-B14F-4D97-AF65-F5344CB8AC3E}">
-        <p14:creationId xmlns:p14="http://schemas.microsoft.com/office/powerpoint/2010/main" val="1332554672"/>
+        <p14:creationId xmlns:p14="http://schemas.microsoft.com/office/powerpoint/2010/main" val="1322101859"/>
       </p:ext>
     </p:extLst>
   </p:cSld>
@@ -2763,7 +2763,7 @@
           <p:cNvPr id="2" name="标题占位符 1">
             <a:extLst>
               <a:ext uri="{FF2B5EF4-FFF2-40B4-BE49-F238E27FC236}">
-                <a16:creationId xmlns:a16="http://schemas.microsoft.com/office/drawing/2014/main" id="{B3A9FC1A-42AA-01A6-71B7-94B914E4B79A}"/>
+                <a16:creationId xmlns:a16="http://schemas.microsoft.com/office/drawing/2014/main" id="{2C033C46-6D0E-813F-778D-84FFEEF70F0E}"/>
               </a:ext>
             </a:extLst>
           </p:cNvPr>
@@ -2801,7 +2801,7 @@
           <p:cNvPr id="3" name="文本占位符 2">
             <a:extLst>
               <a:ext uri="{FF2B5EF4-FFF2-40B4-BE49-F238E27FC236}">
-                <a16:creationId xmlns:a16="http://schemas.microsoft.com/office/drawing/2014/main" id="{CF675717-62F2-9FD7-8A13-DB5CD8A4704B}"/>
+                <a16:creationId xmlns:a16="http://schemas.microsoft.com/office/drawing/2014/main" id="{EC387158-DBC0-2F33-4DDD-8F8E4432C333}"/>
               </a:ext>
             </a:extLst>
           </p:cNvPr>
@@ -2868,7 +2868,7 @@
           <p:cNvPr id="4" name="日期占位符 3">
             <a:extLst>
               <a:ext uri="{FF2B5EF4-FFF2-40B4-BE49-F238E27FC236}">
-                <a16:creationId xmlns:a16="http://schemas.microsoft.com/office/drawing/2014/main" id="{294BFF54-A1DE-7A4D-3C96-15354C04C56D}"/>
+                <a16:creationId xmlns:a16="http://schemas.microsoft.com/office/drawing/2014/main" id="{E355D9DF-8671-9C88-5668-9AC74F9C39EC}"/>
               </a:ext>
             </a:extLst>
           </p:cNvPr>
@@ -2902,7 +2902,7 @@
             </a:lvl1pPr>
           </a:lstStyle>
           <a:p>
-            <a:fld id="{F7D7F103-DD1C-406E-9D42-DA06D36EDE0F}" type="datetimeFigureOut">
+            <a:fld id="{61E6A90C-F1E3-4F69-A95C-D0DD0F73748F}" type="datetimeFigureOut">
               <a:rPr lang="zh-CN" altLang="en-US" smtClean="0"/>
               <a:t>2024/3/10</a:t>
             </a:fld>
@@ -2915,7 +2915,7 @@
           <p:cNvPr id="5" name="页脚占位符 4">
             <a:extLst>
               <a:ext uri="{FF2B5EF4-FFF2-40B4-BE49-F238E27FC236}">
-                <a16:creationId xmlns:a16="http://schemas.microsoft.com/office/drawing/2014/main" id="{3280BC0A-42B2-5CC7-1B30-49C6EF2D8339}"/>
+                <a16:creationId xmlns:a16="http://schemas.microsoft.com/office/drawing/2014/main" id="{8F3E9AAF-E522-0E53-9133-BCCBAC249B90}"/>
               </a:ext>
             </a:extLst>
           </p:cNvPr>
@@ -2958,7 +2958,7 @@
           <p:cNvPr id="6" name="灯片编号占位符 5">
             <a:extLst>
               <a:ext uri="{FF2B5EF4-FFF2-40B4-BE49-F238E27FC236}">
-                <a16:creationId xmlns:a16="http://schemas.microsoft.com/office/drawing/2014/main" id="{60A474E7-5225-0965-5A34-3BD8DC4A6A39}"/>
+                <a16:creationId xmlns:a16="http://schemas.microsoft.com/office/drawing/2014/main" id="{9D436DC7-74AE-0F6B-1CDB-3964521DBBF1}"/>
               </a:ext>
             </a:extLst>
           </p:cNvPr>
@@ -2992,7 +2992,7 @@
             </a:lvl1pPr>
           </a:lstStyle>
           <a:p>
-            <a:fld id="{55B2AD2A-A962-45E9-80FE-EED6B4314960}" type="slidenum">
+            <a:fld id="{99A57CC9-ABC4-475F-8681-358CD529E301}" type="slidenum">
               <a:rPr lang="zh-CN" altLang="en-US" smtClean="0"/>
               <a:t>‹#›</a:t>
             </a:fld>
@@ -3003,7 +3003,7 @@
     </p:spTree>
     <p:extLst>
       <p:ext uri="{BB962C8B-B14F-4D97-AF65-F5344CB8AC3E}">
-        <p14:creationId xmlns:p14="http://schemas.microsoft.com/office/powerpoint/2010/main" val="1132323137"/>
+        <p14:creationId xmlns:p14="http://schemas.microsoft.com/office/powerpoint/2010/main" val="900107334"/>
       </p:ext>
     </p:extLst>
   </p:cSld>
